--- a/Hackathon14 PPT.pptx
+++ b/Hackathon14 PPT.pptx
@@ -57848,7 +57848,7 @@
             </a:pPr>
             <a:r>
               <a:rPr b="1" lang="en" sz="1800"/>
-              <a:t>利用chat fuel（由Facebook 開發）與註冊者進行互動聊天</a:t>
+              <a:t>利用Chatfuel 與註冊者進行互動聊天</a:t>
             </a:r>
             <a:endParaRPr b="1" sz="1800"/>
           </a:p>
@@ -57950,6 +57950,23 @@
             <a:r>
               <a:rPr b="1" lang="en" sz="1800"/>
               <a:t>傷亡率</a:t>
+            </a:r>
+            <a:endParaRPr b="1" sz="1800"/>
+          </a:p>
+          <a:p>
+            <a:pPr indent="-342900" lvl="0" marL="457200" rtl="0" algn="l">
+              <a:spcBef>
+                <a:spcPts val="0"/>
+              </a:spcBef>
+              <a:spcAft>
+                <a:spcPts val="0"/>
+              </a:spcAft>
+              <a:buSzPts val="1800"/>
+              <a:buChar char="▫"/>
+            </a:pPr>
+            <a:r>
+              <a:rPr b="1" lang="en" sz="1800"/>
+              <a:t>能告訴用戶他自己的用電量</a:t>
             </a:r>
             <a:endParaRPr b="1" sz="1800"/>
           </a:p>
